--- a/Slides/Evolution of Threading in .NET.pptx
+++ b/Slides/Evolution of Threading in .NET.pptx
@@ -238,7 +238,7 @@
           <a:p>
             <a:fld id="{68796EA6-6F25-4F19-87BA-7ADCC16DAEFF}" type="datetimeFigureOut">
               <a:rPr lang="en-US" smtClean="0"/>
-              <a:t>1/22/2014</a:t>
+              <a:t>1/23/2014</a:t>
             </a:fld>
             <a:endParaRPr lang="en-US" dirty="0"/>
           </a:p>
@@ -403,7 +403,7 @@
           <a:p>
             <a:fld id="{C39C172E-A8B5-46F6-B05C-DFA3E2E0F207}" type="datetimeFigureOut">
               <a:rPr lang="en-US" smtClean="0"/>
-              <a:t>1/22/2014</a:t>
+              <a:t>1/23/2014</a:t>
             </a:fld>
             <a:endParaRPr lang="en-US" dirty="0"/>
           </a:p>
@@ -3725,7 +3725,7 @@
           <a:p>
             <a:fld id="{4E708F12-96AD-4ED4-8132-A78F5E42C1F5}" type="datetime1">
               <a:rPr lang="en-US" smtClean="0"/>
-              <a:t>1/22/2014</a:t>
+              <a:t>1/23/2014</a:t>
             </a:fld>
             <a:endParaRPr lang="en-US" dirty="0"/>
           </a:p>
@@ -3947,7 +3947,7 @@
           <a:p>
             <a:fld id="{7B7FA170-8299-44AD-AEEF-FC686C3D7804}" type="datetime1">
               <a:rPr lang="en-US" smtClean="0"/>
-              <a:t>1/22/2014</a:t>
+              <a:t>1/23/2014</a:t>
             </a:fld>
             <a:endParaRPr lang="en-US" dirty="0"/>
           </a:p>
@@ -4129,7 +4129,7 @@
           <a:p>
             <a:fld id="{2231763A-68EC-4ECD-9620-D9FE9CDDD622}" type="datetime1">
               <a:rPr lang="en-US" smtClean="0"/>
-              <a:t>1/22/2014</a:t>
+              <a:t>1/23/2014</a:t>
             </a:fld>
             <a:endParaRPr lang="en-US" dirty="0"/>
           </a:p>
@@ -4321,7 +4321,7 @@
           <a:p>
             <a:fld id="{7B98BEDD-6160-49BB-B372-861DE7DE9BA5}" type="datetime1">
               <a:rPr lang="en-US" smtClean="0"/>
-              <a:t>1/22/2014</a:t>
+              <a:t>1/23/2014</a:t>
             </a:fld>
             <a:endParaRPr lang="en-US" dirty="0"/>
           </a:p>
@@ -4503,7 +4503,7 @@
           <a:p>
             <a:fld id="{0AAE819F-B7FD-4B29-8F66-9E318144BC2A}" type="datetime1">
               <a:rPr lang="en-US" smtClean="0"/>
-              <a:t>1/22/2014</a:t>
+              <a:t>1/23/2014</a:t>
             </a:fld>
             <a:endParaRPr lang="en-US" dirty="0"/>
           </a:p>
@@ -4735,7 +4735,7 @@
           <a:p>
             <a:fld id="{D4CA159C-B6E0-4F10-9F4A-2FA57003B139}" type="datetime1">
               <a:rPr lang="en-US" smtClean="0"/>
-              <a:t>1/22/2014</a:t>
+              <a:t>1/23/2014</a:t>
             </a:fld>
             <a:endParaRPr lang="en-US" dirty="0"/>
           </a:p>
@@ -5027,7 +5027,7 @@
           <a:p>
             <a:fld id="{8170CBBB-D1D1-4386-A5E9-07F3477B78F3}" type="datetime1">
               <a:rPr lang="en-US" smtClean="0"/>
-              <a:t>1/22/2014</a:t>
+              <a:t>1/23/2014</a:t>
             </a:fld>
             <a:endParaRPr lang="en-US" dirty="0"/>
           </a:p>
@@ -5455,7 +5455,7 @@
           <a:p>
             <a:fld id="{9FA4CAD8-0EA7-4615-B69B-B2F199EF3A93}" type="datetime1">
               <a:rPr lang="en-US" smtClean="0"/>
-              <a:t>1/22/2014</a:t>
+              <a:t>1/23/2014</a:t>
             </a:fld>
             <a:endParaRPr lang="en-US" dirty="0"/>
           </a:p>
@@ -5608,7 +5608,7 @@
           <a:p>
             <a:fld id="{B9234BD7-6953-492C-921B-E68B2D7F14C8}" type="datetime1">
               <a:rPr lang="en-US" smtClean="0"/>
-              <a:t>1/22/2014</a:t>
+              <a:t>1/23/2014</a:t>
             </a:fld>
             <a:endParaRPr lang="en-US" dirty="0"/>
           </a:p>
@@ -5715,7 +5715,7 @@
           <a:p>
             <a:fld id="{35A17D9B-D4D3-4E23-88DF-2E354FA43196}" type="datetime1">
               <a:rPr lang="en-US" smtClean="0"/>
-              <a:t>1/22/2014</a:t>
+              <a:t>1/23/2014</a:t>
             </a:fld>
             <a:endParaRPr lang="en-US" dirty="0"/>
           </a:p>
@@ -5977,7 +5977,7 @@
           <a:p>
             <a:fld id="{541F67C5-D04E-4576-B61C-12ABA14BBD6C}" type="datetime1">
               <a:rPr lang="en-US" smtClean="0"/>
-              <a:t>1/22/2014</a:t>
+              <a:t>1/23/2014</a:t>
             </a:fld>
             <a:endParaRPr lang="en-US" dirty="0"/>
           </a:p>
@@ -6877,7 +6877,7 @@
           <a:p>
             <a:fld id="{C20F09E4-6EA4-4BF3-9FC8-FF40373B88E6}" type="datetime1">
               <a:rPr lang="en-US" smtClean="0"/>
-              <a:t>1/22/2014</a:t>
+              <a:t>1/23/2014</a:t>
             </a:fld>
             <a:endParaRPr lang="en-US" dirty="0"/>
           </a:p>
@@ -7615,8 +7615,16 @@
           <a:lstStyle/>
           <a:p>
             <a:r>
+              <a:rPr lang="en-US" dirty="0"/>
+              <a:t>.NET 4 </a:t>
+            </a:r>
+            <a:r>
               <a:rPr lang="en-US" dirty="0" smtClean="0"/>
-              <a:t>TPL – Parallel and PLINQ</a:t>
+              <a:t>Additions – </a:t>
+            </a:r>
+            <a:r>
+              <a:rPr lang="en-US" dirty="0" smtClean="0"/>
+              <a:t>Parallel and PLINQ</a:t>
             </a:r>
             <a:endParaRPr lang="en-US" dirty="0"/>
           </a:p>
@@ -7793,8 +7801,20 @@
           <a:lstStyle/>
           <a:p>
             <a:r>
+              <a:rPr lang="en-US"/>
+              <a:t>.NET </a:t>
+            </a:r>
+            <a:r>
+              <a:rPr lang="en-US"/>
+              <a:t>4 </a:t>
+            </a:r>
+            <a:r>
+              <a:rPr lang="en-US" smtClean="0"/>
+              <a:t>Additions – </a:t>
+            </a:r>
+            <a:r>
               <a:rPr lang="en-US" dirty="0" smtClean="0"/>
-              <a:t>TPL – Other Features</a:t>
+              <a:t>Other Features</a:t>
             </a:r>
             <a:endParaRPr lang="en-US" dirty="0"/>
           </a:p>
@@ -9347,7 +9367,11 @@
           <a:p>
             <a:r>
               <a:rPr lang="en-US" dirty="0" smtClean="0"/>
-              <a:t>TPL – Tasks</a:t>
+              <a:t>.NET 4 Additions – </a:t>
+            </a:r>
+            <a:r>
+              <a:rPr lang="en-US" dirty="0" smtClean="0"/>
+              <a:t>Tasks</a:t>
             </a:r>
             <a:endParaRPr lang="en-US" dirty="0"/>
           </a:p>

--- a/Slides/Evolution of Threading in .NET.pptx
+++ b/Slides/Evolution of Threading in .NET.pptx
@@ -7801,15 +7801,11 @@
           <a:lstStyle/>
           <a:p>
             <a:r>
-              <a:rPr lang="en-US"/>
-              <a:t>.NET </a:t>
-            </a:r>
-            <a:r>
-              <a:rPr lang="en-US"/>
-              <a:t>4 </a:t>
-            </a:r>
-            <a:r>
-              <a:rPr lang="en-US" smtClean="0"/>
+              <a:rPr lang="en-US" dirty="0"/>
+              <a:t>.NET 4 </a:t>
+            </a:r>
+            <a:r>
+              <a:rPr lang="en-US" dirty="0" smtClean="0"/>
               <a:t>Additions – </a:t>
             </a:r>
             <a:r>
@@ -8559,8 +8555,9 @@
           <a:p>
             <a:r>
               <a:rPr lang="en-US" dirty="0" smtClean="0"/>
-              <a:t>Can Be Parallelized</a:t>
-            </a:r>
+              <a:t>Multi-tasking and Parallelization</a:t>
+            </a:r>
+            <a:endParaRPr lang="en-US" dirty="0" smtClean="0"/>
           </a:p>
           <a:p>
             <a:r>
@@ -9194,16 +9191,16 @@
           <a:p>
             <a:pPr lvl="1"/>
             <a:r>
+              <a:rPr lang="en-US" dirty="0" err="1"/>
+              <a:t>AutoResetEvent</a:t>
+            </a:r>
+            <a:endParaRPr lang="en-US" dirty="0"/>
+          </a:p>
+          <a:p>
+            <a:pPr lvl="1"/>
+            <a:r>
               <a:rPr lang="en-US" dirty="0" err="1" smtClean="0"/>
               <a:t>ManualResetEvent</a:t>
-            </a:r>
-            <a:endParaRPr lang="en-US" dirty="0" smtClean="0"/>
-          </a:p>
-          <a:p>
-            <a:pPr lvl="1"/>
-            <a:r>
-              <a:rPr lang="en-US" dirty="0" err="1" smtClean="0"/>
-              <a:t>AutoResetEvent</a:t>
             </a:r>
             <a:endParaRPr lang="en-US" dirty="0" smtClean="0"/>
           </a:p>
@@ -9333,20 +9330,33 @@
           <a:p>
             <a:r>
               <a:rPr lang="en-US" dirty="0" smtClean="0"/>
-              <a:t>Cooperative Cancellation</a:t>
-            </a:r>
-          </a:p>
-          <a:p>
-            <a:r>
-              <a:rPr lang="en-US" dirty="0" smtClean="0"/>
-              <a:t>Robust Error Handling</a:t>
-            </a:r>
-          </a:p>
-          <a:p>
-            <a:r>
-              <a:rPr lang="en-US" dirty="0" smtClean="0"/>
-              <a:t>Synchronization through Continuations, Blocking and Awaiting</a:t>
-            </a:r>
+              <a:t>Robust </a:t>
+            </a:r>
+            <a:r>
+              <a:rPr lang="en-US" dirty="0" smtClean="0"/>
+              <a:t>Error Handling</a:t>
+            </a:r>
+          </a:p>
+          <a:p>
+            <a:r>
+              <a:rPr lang="en-US" dirty="0" smtClean="0"/>
+              <a:t>Synchronization through Continuations, Blocking and </a:t>
+            </a:r>
+            <a:r>
+              <a:rPr lang="en-US" dirty="0" smtClean="0"/>
+              <a:t>Awaiting</a:t>
+            </a:r>
+          </a:p>
+          <a:p>
+            <a:r>
+              <a:rPr lang="en-US" dirty="0"/>
+              <a:t>Cooperative </a:t>
+            </a:r>
+            <a:r>
+              <a:rPr lang="en-US" dirty="0" smtClean="0"/>
+              <a:t>Cancellation</a:t>
+            </a:r>
+            <a:endParaRPr lang="en-US" dirty="0"/>
           </a:p>
         </p:txBody>
       </p:sp>

--- a/Slides/Evolution of Threading in .NET.pptx
+++ b/Slides/Evolution of Threading in .NET.pptx
@@ -1193,10 +1193,18 @@
             </a:endParaRPr>
           </a:p>
           <a:p>
-            <a:pPr marL="457200" lvl="1" indent="0">
+            <a:pPr marL="171450" lvl="0" indent="-171450">
               <a:buFont typeface="Arial" panose="020B0604020202020204" pitchFamily="34" charset="0"/>
-              <a:buNone/>
+              <a:buChar char="•"/>
             </a:pPr>
+            <a:r>
+              <a:rPr lang="en-US" dirty="0" smtClean="0"/>
+              <a:t>Compiler rewrites method into</a:t>
+            </a:r>
+            <a:r>
+              <a:rPr lang="en-US" baseline="0" dirty="0" smtClean="0"/>
+              <a:t> continuation.</a:t>
+            </a:r>
             <a:endParaRPr lang="en-US" dirty="0"/>
           </a:p>
         </p:txBody>
@@ -1351,7 +1359,31 @@
                 <a:ea typeface="+mn-ea"/>
                 <a:cs typeface="+mn-cs"/>
               </a:rPr>
-              <a:t> based – UI events (keystrokes - autocomplete) or streamed data (stock price updates - </a:t>
+              <a:t> based – UI events </a:t>
+            </a:r>
+            <a:r>
+              <a:rPr lang="en-US" sz="1200" kern="1200" baseline="0" dirty="0" smtClean="0">
+                <a:solidFill>
+                  <a:schemeClr val="tx1"/>
+                </a:solidFill>
+                <a:effectLst/>
+                <a:latin typeface="+mn-lt"/>
+                <a:ea typeface="+mn-ea"/>
+                <a:cs typeface="+mn-cs"/>
+              </a:rPr>
+              <a:t>(streamed data; stock </a:t>
+            </a:r>
+            <a:r>
+              <a:rPr lang="en-US" sz="1200" kern="1200" baseline="0" dirty="0" smtClean="0">
+                <a:solidFill>
+                  <a:schemeClr val="tx1"/>
+                </a:solidFill>
+                <a:effectLst/>
+                <a:latin typeface="+mn-lt"/>
+                <a:ea typeface="+mn-ea"/>
+                <a:cs typeface="+mn-cs"/>
+              </a:rPr>
+              <a:t>price updates - </a:t>
             </a:r>
             <a:r>
               <a:rPr lang="en-US" sz="1200" kern="1200" baseline="0" dirty="0" err="1" smtClean="0">
@@ -1437,7 +1469,43 @@
                 <a:ea typeface="+mn-ea"/>
                 <a:cs typeface="+mn-cs"/>
               </a:rPr>
-              <a:t>Subscribe – push data to UI (keystrokes -&gt; autocomplete list, stocks prices -&gt; update chart and labels).</a:t>
+              <a:t>Subscribe – push data to </a:t>
+            </a:r>
+            <a:r>
+              <a:rPr lang="en-US" sz="1200" kern="1200" baseline="0" smtClean="0">
+                <a:solidFill>
+                  <a:schemeClr val="tx1"/>
+                </a:solidFill>
+                <a:effectLst/>
+                <a:latin typeface="+mn-lt"/>
+                <a:ea typeface="+mn-ea"/>
+                <a:cs typeface="+mn-cs"/>
+              </a:rPr>
+              <a:t>UI </a:t>
+            </a:r>
+            <a:r>
+              <a:rPr lang="en-US" sz="1200" kern="1200" baseline="0" smtClean="0">
+                <a:solidFill>
+                  <a:schemeClr val="tx1"/>
+                </a:solidFill>
+                <a:effectLst/>
+                <a:latin typeface="+mn-lt"/>
+                <a:ea typeface="+mn-ea"/>
+                <a:cs typeface="+mn-cs"/>
+              </a:rPr>
+              <a:t>(stocks </a:t>
+            </a:r>
+            <a:r>
+              <a:rPr lang="en-US" sz="1200" kern="1200" baseline="0" dirty="0" smtClean="0">
+                <a:solidFill>
+                  <a:schemeClr val="tx1"/>
+                </a:solidFill>
+                <a:effectLst/>
+                <a:latin typeface="+mn-lt"/>
+                <a:ea typeface="+mn-ea"/>
+                <a:cs typeface="+mn-cs"/>
+              </a:rPr>
+              <a:t>prices -&gt; update chart and labels).</a:t>
             </a:r>
           </a:p>
           <a:p>
@@ -1499,27 +1567,8 @@
                 <a:ea typeface="+mn-ea"/>
                 <a:cs typeface="+mn-cs"/>
               </a:rPr>
-              <a:t>Async pipelines – </a:t>
-            </a:r>
-          </a:p>
-          <a:p>
-            <a:pPr marL="628650" marR="0" lvl="1" indent="-171450" algn="l" defTabSz="914400" rtl="0" eaLnBrk="1" fontAlgn="auto" latinLnBrk="0" hangingPunct="1">
-              <a:lnSpc>
-                <a:spcPct val="100000"/>
-              </a:lnSpc>
-              <a:spcBef>
-                <a:spcPts val="0"/>
-              </a:spcBef>
-              <a:spcAft>
-                <a:spcPts val="0"/>
-              </a:spcAft>
-              <a:buClrTx/>
-              <a:buSzTx/>
-              <a:buFont typeface="Arial" panose="020B0604020202020204" pitchFamily="34" charset="0"/>
-              <a:buChar char="•"/>
-              <a:tabLst/>
-              <a:defRPr/>
-            </a:pPr>
+              <a:t>Async </a:t>
+            </a:r>
             <a:r>
               <a:rPr lang="en-US" sz="1200" kern="1200" baseline="0" dirty="0" smtClean="0">
                 <a:solidFill>
@@ -1530,7 +1579,7 @@
                 <a:ea typeface="+mn-ea"/>
                 <a:cs typeface="+mn-cs"/>
               </a:rPr>
-              <a:t>Customizable – configure flow, concurrency, behavior.</a:t>
+              <a:t>pipelines</a:t>
             </a:r>
             <a:endParaRPr lang="en-US" sz="1200" kern="1200" dirty="0" smtClean="0">
               <a:solidFill>
@@ -2635,27 +2684,8 @@
                 <a:ea typeface="+mn-ea"/>
                 <a:cs typeface="+mn-cs"/>
               </a:rPr>
-              <a:t>Data Races</a:t>
-            </a:r>
-          </a:p>
-          <a:p>
-            <a:pPr marL="171450" marR="0" lvl="0" indent="-171450" algn="l" defTabSz="914400" rtl="0" eaLnBrk="1" fontAlgn="auto" latinLnBrk="0" hangingPunct="1">
-              <a:lnSpc>
-                <a:spcPct val="100000"/>
-              </a:lnSpc>
-              <a:spcBef>
-                <a:spcPts val="0"/>
-              </a:spcBef>
-              <a:spcAft>
-                <a:spcPts val="0"/>
-              </a:spcAft>
-              <a:buClrTx/>
-              <a:buSzTx/>
-              <a:buFont typeface="Arial" panose="020B0604020202020204" pitchFamily="34" charset="0"/>
-              <a:buChar char="•"/>
-              <a:tabLst/>
-              <a:defRPr/>
-            </a:pPr>
+              <a:t>Data </a:t>
+            </a:r>
             <a:r>
               <a:rPr lang="en-US" sz="1200" kern="1200" dirty="0" smtClean="0">
                 <a:solidFill>
@@ -2666,101 +2696,8 @@
                 <a:ea typeface="+mn-ea"/>
                 <a:cs typeface="+mn-cs"/>
               </a:rPr>
-              <a:t>Hard to Debug</a:t>
-            </a:r>
-          </a:p>
-          <a:p>
-            <a:pPr marL="628650" marR="0" lvl="1" indent="-171450" algn="l" defTabSz="914400" rtl="0" eaLnBrk="1" fontAlgn="auto" latinLnBrk="0" hangingPunct="1">
-              <a:lnSpc>
-                <a:spcPct val="100000"/>
-              </a:lnSpc>
-              <a:spcBef>
-                <a:spcPts val="0"/>
-              </a:spcBef>
-              <a:spcAft>
-                <a:spcPts val="0"/>
-              </a:spcAft>
-              <a:buClrTx/>
-              <a:buSzTx/>
-              <a:buFont typeface="Arial" panose="020B0604020202020204" pitchFamily="34" charset="0"/>
-              <a:buChar char="•"/>
-              <a:tabLst/>
-              <a:defRPr/>
-            </a:pPr>
-            <a:r>
-              <a:rPr lang="en-US" sz="1200" kern="1200" dirty="0" smtClean="0">
-                <a:solidFill>
-                  <a:schemeClr val="tx1"/>
-                </a:solidFill>
-                <a:effectLst/>
-                <a:latin typeface="+mn-lt"/>
-                <a:ea typeface="+mn-ea"/>
-                <a:cs typeface="+mn-cs"/>
-              </a:rPr>
-              <a:t>Hard to step</a:t>
-            </a:r>
-            <a:r>
-              <a:rPr lang="en-US" sz="1200" kern="1200" baseline="0" dirty="0" smtClean="0">
-                <a:solidFill>
-                  <a:schemeClr val="tx1"/>
-                </a:solidFill>
-                <a:effectLst/>
-                <a:latin typeface="+mn-lt"/>
-                <a:ea typeface="+mn-ea"/>
-                <a:cs typeface="+mn-cs"/>
-              </a:rPr>
-              <a:t> through</a:t>
-            </a:r>
-          </a:p>
-          <a:p>
-            <a:pPr marL="628650" marR="0" lvl="1" indent="-171450" algn="l" defTabSz="914400" rtl="0" eaLnBrk="1" fontAlgn="auto" latinLnBrk="0" hangingPunct="1">
-              <a:lnSpc>
-                <a:spcPct val="100000"/>
-              </a:lnSpc>
-              <a:spcBef>
-                <a:spcPts val="0"/>
-              </a:spcBef>
-              <a:spcAft>
-                <a:spcPts val="0"/>
-              </a:spcAft>
-              <a:buClrTx/>
-              <a:buSzTx/>
-              <a:buFont typeface="Arial" panose="020B0604020202020204" pitchFamily="34" charset="0"/>
-              <a:buChar char="•"/>
-              <a:tabLst/>
-              <a:defRPr/>
-            </a:pPr>
-            <a:r>
-              <a:rPr lang="en-US" sz="1200" kern="1200" baseline="0" dirty="0" smtClean="0">
-                <a:solidFill>
-                  <a:schemeClr val="tx1"/>
-                </a:solidFill>
-                <a:effectLst/>
-                <a:latin typeface="+mn-lt"/>
-                <a:ea typeface="+mn-ea"/>
-                <a:cs typeface="+mn-cs"/>
-              </a:rPr>
-              <a:t>Hard to visualize</a:t>
-            </a:r>
-          </a:p>
-          <a:p>
-            <a:pPr marL="171450" marR="0" lvl="0" indent="-171450" algn="l" defTabSz="914400" rtl="0" eaLnBrk="1" fontAlgn="auto" latinLnBrk="0" hangingPunct="1">
-              <a:lnSpc>
-                <a:spcPct val="100000"/>
-              </a:lnSpc>
-              <a:spcBef>
-                <a:spcPts val="0"/>
-              </a:spcBef>
-              <a:spcAft>
-                <a:spcPts val="0"/>
-              </a:spcAft>
-              <a:buClrTx/>
-              <a:buSzTx/>
-              <a:buFont typeface="Arial" panose="020B0604020202020204" pitchFamily="34" charset="0"/>
-              <a:buChar char="•"/>
-              <a:tabLst/>
-              <a:defRPr/>
-            </a:pPr>
+              <a:t>Races</a:t>
+            </a:r>
             <a:endParaRPr lang="en-US" sz="1200" kern="1200" dirty="0" smtClean="0">
               <a:solidFill>
                 <a:schemeClr val="tx1"/>
@@ -3004,10 +2941,42 @@
             </a:endParaRPr>
           </a:p>
           <a:p>
-            <a:pPr marL="457200" lvl="1" indent="0">
+            <a:pPr marL="171450" lvl="0" indent="-171450">
               <a:buFont typeface="Arial" panose="020B0604020202020204" pitchFamily="34" charset="0"/>
-              <a:buNone/>
+              <a:buChar char="•"/>
             </a:pPr>
+            <a:r>
+              <a:rPr lang="en-US" dirty="0" smtClean="0"/>
+              <a:t>Give an</a:t>
+            </a:r>
+            <a:r>
+              <a:rPr lang="en-US" baseline="0" dirty="0" smtClean="0"/>
+              <a:t> single example for each category.</a:t>
+            </a:r>
+          </a:p>
+          <a:p>
+            <a:pPr marL="628650" lvl="1" indent="-171450">
+              <a:buFont typeface="Arial" panose="020B0604020202020204" pitchFamily="34" charset="0"/>
+              <a:buChar char="•"/>
+            </a:pPr>
+            <a:r>
+              <a:rPr lang="en-US" baseline="0" dirty="0" smtClean="0"/>
+              <a:t>Monitor - Critical section of code.</a:t>
+            </a:r>
+          </a:p>
+          <a:p>
+            <a:pPr marL="628650" lvl="1" indent="-171450">
+              <a:buFont typeface="Arial" panose="020B0604020202020204" pitchFamily="34" charset="0"/>
+              <a:buChar char="•"/>
+            </a:pPr>
+            <a:r>
+              <a:rPr lang="en-US" baseline="0" dirty="0" err="1" smtClean="0"/>
+              <a:t>ManualResetEvent</a:t>
+            </a:r>
+            <a:r>
+              <a:rPr lang="en-US" baseline="0" dirty="0" smtClean="0"/>
+              <a:t> – initialization of Taskmatics (gate).</a:t>
+            </a:r>
             <a:endParaRPr lang="en-US" dirty="0"/>
           </a:p>
         </p:txBody>
@@ -3120,10 +3089,18 @@
             </a:endParaRPr>
           </a:p>
           <a:p>
-            <a:pPr marL="457200" lvl="1" indent="0">
+            <a:pPr marL="171450" lvl="0" indent="-171450">
               <a:buFont typeface="Arial" panose="020B0604020202020204" pitchFamily="34" charset="0"/>
-              <a:buNone/>
+              <a:buChar char="•"/>
             </a:pPr>
+            <a:r>
+              <a:rPr lang="en-US" dirty="0" smtClean="0"/>
+              <a:t>Cancellation sample</a:t>
+            </a:r>
+            <a:r>
+              <a:rPr lang="en-US" baseline="0" dirty="0" smtClean="0"/>
+              <a:t> in demos.</a:t>
+            </a:r>
             <a:endParaRPr lang="en-US" dirty="0"/>
           </a:p>
         </p:txBody>
@@ -7620,11 +7597,7 @@
             </a:r>
             <a:r>
               <a:rPr lang="en-US" dirty="0" smtClean="0"/>
-              <a:t>Additions – </a:t>
-            </a:r>
-            <a:r>
-              <a:rPr lang="en-US" dirty="0" smtClean="0"/>
-              <a:t>Parallel and PLINQ</a:t>
+              <a:t>Additions – Parallel and PLINQ</a:t>
             </a:r>
             <a:endParaRPr lang="en-US" dirty="0"/>
           </a:p>
@@ -7806,11 +7779,7 @@
             </a:r>
             <a:r>
               <a:rPr lang="en-US" dirty="0" smtClean="0"/>
-              <a:t>Additions – </a:t>
-            </a:r>
-            <a:r>
-              <a:rPr lang="en-US" dirty="0" smtClean="0"/>
-              <a:t>Other Features</a:t>
+              <a:t>Additions – Other Features</a:t>
             </a:r>
             <a:endParaRPr lang="en-US" dirty="0"/>
           </a:p>
@@ -8033,32 +8002,21 @@
             <a:pPr lvl="1"/>
             <a:r>
               <a:rPr lang="en-US" dirty="0" smtClean="0"/>
-              <a:t>Provides ability to build and asynchronous pipeline </a:t>
+              <a:t>An actor based model using message passing to flow data asynchronously through </a:t>
             </a:r>
             <a:r>
               <a:rPr lang="en-US" dirty="0"/>
-              <a:t>of producer/consumers ‘</a:t>
-            </a:r>
-            <a:r>
-              <a:rPr lang="en-US" dirty="0" smtClean="0"/>
-              <a:t>blocks.’</a:t>
-            </a:r>
-            <a:endParaRPr lang="en-US" dirty="0"/>
-          </a:p>
-          <a:p>
-            <a:pPr lvl="1"/>
-            <a:r>
-              <a:rPr lang="en-US" dirty="0" smtClean="0"/>
-              <a:t>Example:  </a:t>
-            </a:r>
-            <a:r>
-              <a:rPr lang="en-US" dirty="0" err="1" smtClean="0"/>
-              <a:t>ActionBlock</a:t>
-            </a:r>
-            <a:r>
-              <a:rPr lang="en-US" dirty="0" smtClean="0"/>
-              <a:t>&lt;T&gt;</a:t>
-            </a:r>
+              <a:t>a processing </a:t>
+            </a:r>
+            <a:r>
+              <a:rPr lang="en-US" dirty="0" smtClean="0"/>
+              <a:t>pipeline</a:t>
+            </a:r>
+            <a:r>
+              <a:rPr lang="en-US" dirty="0"/>
+              <a:t>.</a:t>
+            </a:r>
+            <a:endParaRPr lang="en-US" dirty="0" smtClean="0"/>
           </a:p>
         </p:txBody>
       </p:sp>
@@ -8452,10 +8410,9 @@
             </a:r>
           </a:p>
           <a:p>
-            <a:r>
-              <a:rPr lang="en-US" dirty="0" smtClean="0"/>
-              <a:t>Questions</a:t>
-            </a:r>
+            <a:pPr marL="109728" indent="0">
+              <a:buNone/>
+            </a:pPr>
             <a:endParaRPr lang="en-US" dirty="0"/>
           </a:p>
         </p:txBody>
@@ -8557,7 +8514,6 @@
               <a:rPr lang="en-US" dirty="0" smtClean="0"/>
               <a:t>Multi-tasking and Parallelization</a:t>
             </a:r>
-            <a:endParaRPr lang="en-US" dirty="0" smtClean="0"/>
           </a:p>
           <a:p>
             <a:r>
@@ -8879,29 +8835,20 @@
             </a:r>
           </a:p>
           <a:p>
+            <a:pPr lvl="0"/>
+            <a:r>
+              <a:rPr lang="en-US" dirty="0" smtClean="0"/>
+              <a:t>Cross-Thread Marshalling Exceptions</a:t>
+            </a:r>
+          </a:p>
+          <a:p>
+            <a:r>
+              <a:rPr lang="en-US" dirty="0" smtClean="0"/>
+              <a:t>Unhandled </a:t>
+            </a:r>
             <a:r>
               <a:rPr lang="en-US" dirty="0"/>
-              <a:t>Hard to </a:t>
-            </a:r>
-            <a:r>
-              <a:rPr lang="en-US" dirty="0" smtClean="0"/>
-              <a:t>Debug</a:t>
-            </a:r>
-          </a:p>
-          <a:p>
-            <a:r>
-              <a:rPr lang="en-US" dirty="0"/>
-              <a:t>Cross-Thread </a:t>
-            </a:r>
-            <a:r>
-              <a:rPr lang="en-US" dirty="0" smtClean="0"/>
-              <a:t>Marshalling Exceptions</a:t>
-            </a:r>
-          </a:p>
-          <a:p>
-            <a:r>
-              <a:rPr lang="en-US" dirty="0"/>
-              <a:t>Unhandled Exceptions </a:t>
+              <a:t>Exceptions </a:t>
             </a:r>
           </a:p>
           <a:p>
@@ -9033,13 +8980,6 @@
             </a:r>
           </a:p>
           <a:p>
-            <a:pPr lvl="1"/>
-            <a:r>
-              <a:rPr lang="en-US" dirty="0" smtClean="0"/>
-              <a:t>Abort</a:t>
-            </a:r>
-          </a:p>
-          <a:p>
             <a:pPr lvl="0"/>
             <a:r>
               <a:rPr lang="en-US" dirty="0" err="1" smtClean="0"/>
@@ -9047,7 +8987,11 @@
             </a:r>
             <a:r>
               <a:rPr lang="en-US" dirty="0" smtClean="0"/>
-              <a:t> Class</a:t>
+              <a:t> </a:t>
+            </a:r>
+            <a:r>
+              <a:rPr lang="en-US" dirty="0" smtClean="0"/>
+              <a:t>Class</a:t>
             </a:r>
           </a:p>
           <a:p>
@@ -9055,6 +8999,21 @@
             <a:r>
               <a:rPr lang="en-US" dirty="0" err="1" smtClean="0"/>
               <a:t>QueueUserWorkItem</a:t>
+            </a:r>
+            <a:endParaRPr lang="en-US" dirty="0" smtClean="0"/>
+          </a:p>
+          <a:p>
+            <a:pPr lvl="1"/>
+            <a:r>
+              <a:rPr lang="en-US" dirty="0" smtClean="0"/>
+              <a:t>Min/Max Threads</a:t>
+            </a:r>
+          </a:p>
+          <a:p>
+            <a:pPr lvl="1"/>
+            <a:r>
+              <a:rPr lang="en-US" dirty="0" smtClean="0"/>
+              <a:t>Growth Logic</a:t>
             </a:r>
             <a:endParaRPr lang="en-US" dirty="0"/>
           </a:p>
@@ -9312,49 +9271,50 @@
             <a:pPr lvl="1"/>
             <a:r>
               <a:rPr lang="en-US" dirty="0" smtClean="0"/>
-              <a:t>IO Bound</a:t>
-            </a:r>
-          </a:p>
-          <a:p>
-            <a:pPr lvl="1"/>
-            <a:r>
-              <a:rPr lang="en-US" dirty="0" smtClean="0"/>
-              <a:t>Other - </a:t>
-            </a:r>
-            <a:r>
-              <a:rPr lang="en-US" dirty="0" err="1" smtClean="0"/>
-              <a:t>TaskCompletionSource</a:t>
+              <a:t>IO </a:t>
+            </a:r>
+            <a:r>
+              <a:rPr lang="en-US" dirty="0" smtClean="0"/>
+              <a:t>Bound</a:t>
+            </a:r>
+          </a:p>
+          <a:p>
+            <a:r>
+              <a:rPr lang="en-US" dirty="0" smtClean="0"/>
+              <a:t>Robust </a:t>
+            </a:r>
+            <a:r>
+              <a:rPr lang="en-US" dirty="0" smtClean="0"/>
+              <a:t>Error Handling</a:t>
+            </a:r>
+          </a:p>
+          <a:p>
+            <a:r>
+              <a:rPr lang="en-US" dirty="0" smtClean="0"/>
+              <a:t>Synchronization through </a:t>
+            </a:r>
+            <a:r>
+              <a:rPr lang="en-US" dirty="0" smtClean="0"/>
+              <a:t>Continuations</a:t>
+            </a:r>
+            <a:r>
+              <a:rPr lang="en-US" dirty="0"/>
+              <a:t> </a:t>
+            </a:r>
+            <a:r>
+              <a:rPr lang="en-US" dirty="0" smtClean="0"/>
+              <a:t>or</a:t>
+            </a:r>
+            <a:r>
+              <a:rPr lang="en-US" dirty="0" smtClean="0"/>
+              <a:t> Blocking</a:t>
             </a:r>
             <a:endParaRPr lang="en-US" dirty="0" smtClean="0"/>
           </a:p>
           <a:p>
             <a:r>
               <a:rPr lang="en-US" dirty="0" smtClean="0"/>
-              <a:t>Robust </a:t>
-            </a:r>
-            <a:r>
-              <a:rPr lang="en-US" dirty="0" smtClean="0"/>
-              <a:t>Error Handling</a:t>
-            </a:r>
-          </a:p>
-          <a:p>
-            <a:r>
-              <a:rPr lang="en-US" dirty="0" smtClean="0"/>
-              <a:t>Synchronization through Continuations, Blocking and </a:t>
-            </a:r>
-            <a:r>
-              <a:rPr lang="en-US" dirty="0" smtClean="0"/>
-              <a:t>Awaiting</a:t>
-            </a:r>
-          </a:p>
-          <a:p>
-            <a:r>
-              <a:rPr lang="en-US" dirty="0"/>
-              <a:t>Cooperative </a:t>
-            </a:r>
-            <a:r>
-              <a:rPr lang="en-US" dirty="0" smtClean="0"/>
-              <a:t>Cancellation</a:t>
+              <a:t>Supports Cancellation</a:t>
             </a:r>
             <a:endParaRPr lang="en-US" dirty="0"/>
           </a:p>
@@ -9377,11 +9337,7 @@
           <a:p>
             <a:r>
               <a:rPr lang="en-US" dirty="0" smtClean="0"/>
-              <a:t>.NET 4 Additions – </a:t>
-            </a:r>
-            <a:r>
-              <a:rPr lang="en-US" dirty="0" smtClean="0"/>
-              <a:t>Tasks</a:t>
+              <a:t>.NET 4 Additions – Tasks</a:t>
             </a:r>
             <a:endParaRPr lang="en-US" dirty="0"/>
           </a:p>
